--- a/lab1.pptx
+++ b/lab1.pptx
@@ -276,7 +276,7 @@
           <a:p>
             <a:fld id="{2D81E09C-BF03-5443-B6D5-AE1D55A65FD9}" type="datetimeFigureOut">
               <a:rPr lang="en-US" smtClean="0"/>
-              <a:t>1/20/22</a:t>
+              <a:t>1/21/22</a:t>
             </a:fld>
             <a:endParaRPr lang="en-US"/>
           </a:p>
@@ -474,7 +474,7 @@
           <a:p>
             <a:fld id="{2D81E09C-BF03-5443-B6D5-AE1D55A65FD9}" type="datetimeFigureOut">
               <a:rPr lang="en-US" smtClean="0"/>
-              <a:t>1/20/22</a:t>
+              <a:t>1/21/22</a:t>
             </a:fld>
             <a:endParaRPr lang="en-US"/>
           </a:p>
@@ -682,7 +682,7 @@
           <a:p>
             <a:fld id="{2D81E09C-BF03-5443-B6D5-AE1D55A65FD9}" type="datetimeFigureOut">
               <a:rPr lang="en-US" smtClean="0"/>
-              <a:t>1/20/22</a:t>
+              <a:t>1/21/22</a:t>
             </a:fld>
             <a:endParaRPr lang="en-US"/>
           </a:p>
@@ -880,7 +880,7 @@
           <a:p>
             <a:fld id="{2D81E09C-BF03-5443-B6D5-AE1D55A65FD9}" type="datetimeFigureOut">
               <a:rPr lang="en-US" smtClean="0"/>
-              <a:t>1/20/22</a:t>
+              <a:t>1/21/22</a:t>
             </a:fld>
             <a:endParaRPr lang="en-US"/>
           </a:p>
@@ -1155,7 +1155,7 @@
           <a:p>
             <a:fld id="{2D81E09C-BF03-5443-B6D5-AE1D55A65FD9}" type="datetimeFigureOut">
               <a:rPr lang="en-US" smtClean="0"/>
-              <a:t>1/20/22</a:t>
+              <a:t>1/21/22</a:t>
             </a:fld>
             <a:endParaRPr lang="en-US"/>
           </a:p>
@@ -1420,7 +1420,7 @@
           <a:p>
             <a:fld id="{2D81E09C-BF03-5443-B6D5-AE1D55A65FD9}" type="datetimeFigureOut">
               <a:rPr lang="en-US" smtClean="0"/>
-              <a:t>1/20/22</a:t>
+              <a:t>1/21/22</a:t>
             </a:fld>
             <a:endParaRPr lang="en-US"/>
           </a:p>
@@ -1832,7 +1832,7 @@
           <a:p>
             <a:fld id="{2D81E09C-BF03-5443-B6D5-AE1D55A65FD9}" type="datetimeFigureOut">
               <a:rPr lang="en-US" smtClean="0"/>
-              <a:t>1/20/22</a:t>
+              <a:t>1/21/22</a:t>
             </a:fld>
             <a:endParaRPr lang="en-US"/>
           </a:p>
@@ -1973,7 +1973,7 @@
           <a:p>
             <a:fld id="{2D81E09C-BF03-5443-B6D5-AE1D55A65FD9}" type="datetimeFigureOut">
               <a:rPr lang="en-US" smtClean="0"/>
-              <a:t>1/20/22</a:t>
+              <a:t>1/21/22</a:t>
             </a:fld>
             <a:endParaRPr lang="en-US"/>
           </a:p>
@@ -2086,7 +2086,7 @@
           <a:p>
             <a:fld id="{2D81E09C-BF03-5443-B6D5-AE1D55A65FD9}" type="datetimeFigureOut">
               <a:rPr lang="en-US" smtClean="0"/>
-              <a:t>1/20/22</a:t>
+              <a:t>1/21/22</a:t>
             </a:fld>
             <a:endParaRPr lang="en-US"/>
           </a:p>
@@ -2397,7 +2397,7 @@
           <a:p>
             <a:fld id="{2D81E09C-BF03-5443-B6D5-AE1D55A65FD9}" type="datetimeFigureOut">
               <a:rPr lang="en-US" smtClean="0"/>
-              <a:t>1/20/22</a:t>
+              <a:t>1/21/22</a:t>
             </a:fld>
             <a:endParaRPr lang="en-US"/>
           </a:p>
@@ -2685,7 +2685,7 @@
           <a:p>
             <a:fld id="{2D81E09C-BF03-5443-B6D5-AE1D55A65FD9}" type="datetimeFigureOut">
               <a:rPr lang="en-US" smtClean="0"/>
-              <a:t>1/20/22</a:t>
+              <a:t>1/21/22</a:t>
             </a:fld>
             <a:endParaRPr lang="en-US"/>
           </a:p>
@@ -2926,7 +2926,7 @@
           <a:p>
             <a:fld id="{2D81E09C-BF03-5443-B6D5-AE1D55A65FD9}" type="datetimeFigureOut">
               <a:rPr lang="en-US" smtClean="0"/>
-              <a:t>1/20/22</a:t>
+              <a:t>1/21/22</a:t>
             </a:fld>
             <a:endParaRPr lang="en-US"/>
           </a:p>
@@ -3714,7 +3714,7 @@
         <p:spPr>
           <a:xfrm>
             <a:off x="838200" y="1690688"/>
-            <a:ext cx="1792478" cy="5078313"/>
+            <a:ext cx="1922321" cy="5078313"/>
           </a:xfrm>
           <a:prstGeom prst="rect">
             <a:avLst/>
@@ -3767,7 +3767,7 @@
               <a:rPr lang="en-US" sz="3600" dirty="0">
                 <a:sym typeface="Wingdings" pitchFamily="2" charset="2"/>
               </a:rPr>
-              <a:t>111  </a:t>
+              <a:t>111  -1</a:t>
             </a:r>
           </a:p>
           <a:p>
@@ -3775,7 +3775,7 @@
               <a:rPr lang="en-US" sz="3600" dirty="0">
                 <a:sym typeface="Wingdings" pitchFamily="2" charset="2"/>
               </a:rPr>
-              <a:t>110  </a:t>
+              <a:t>110  -2</a:t>
             </a:r>
           </a:p>
           <a:p>
@@ -3783,7 +3783,7 @@
               <a:rPr lang="en-US" sz="3600" dirty="0">
                 <a:sym typeface="Wingdings" pitchFamily="2" charset="2"/>
               </a:rPr>
-              <a:t>101  </a:t>
+              <a:t>101  -3</a:t>
             </a:r>
           </a:p>
           <a:p>
@@ -4146,15 +4146,7 @@
           <a:p>
             <a:r>
               <a:rPr lang="en-US" sz="2400" dirty="0"/>
-              <a:t>Hex:                  </a:t>
-            </a:r>
-            <a:r>
-              <a:rPr lang="en-US" sz="2400" dirty="0">
-                <a:solidFill>
-                  <a:schemeClr val="bg1"/>
-                </a:solidFill>
-              </a:rPr>
-              <a:t>5        7       C         3</a:t>
+              <a:t>Hex:                  5        7       C         3</a:t>
             </a:r>
           </a:p>
         </p:txBody>
@@ -5918,15 +5910,7 @@
           <a:p>
             <a:r>
               <a:rPr lang="en-US" sz="3200" dirty="0"/>
-              <a:t>If 10 &lt;= R0 &lt;= 15        OUT </a:t>
-            </a:r>
-            <a:r>
-              <a:rPr lang="en-US" sz="3200" dirty="0">
-                <a:solidFill>
-                  <a:schemeClr val="bg1"/>
-                </a:solidFill>
-              </a:rPr>
-              <a:t>(R0 – 10) + 65</a:t>
+              <a:t>If 10 &lt;= R0 &lt;= 15        OUT (R0 – 10) + 65</a:t>
             </a:r>
           </a:p>
         </p:txBody>
